--- a/15-Arquitetura de Negócio para cada Cenário.pptx
+++ b/15-Arquitetura de Negócio para cada Cenário.pptx
@@ -255,7 +255,7 @@
   </p:defaultTextStyle>
   <p:extLst>
     <p:ext uri="http://customooxmlschemas.google.com/">
-      <go:slidesCustomData xmlns:go="http://customooxmlschemas.google.com/" r:id="rId13" roundtripDataSignature="AMtx7mi+H/FUvzyv+8XCz59RArKWrEOkCw=="/>
+      <go:slidesCustomData xmlns:go="http://customooxmlschemas.google.com/" r:id="rId13" roundtripDataSignature="AMtx7mgDTNwmsR0O/s5sL5xQHr1NVIfaJA=="/>
     </p:ext>
   </p:extLst>
 </p:presentation>
@@ -15718,7 +15718,7 @@
         </p:nvSpPr>
         <p:spPr>
           <a:xfrm>
-            <a:off x="838200" y="421823"/>
+            <a:off x="838200" y="365223"/>
             <a:ext cx="10515600" cy="1325700"/>
           </a:xfrm>
           <a:prstGeom prst="rect">
@@ -15950,7 +15950,7 @@
                   <a:schemeClr val="dk1"/>
                 </a:solidFill>
               </a:rPr>
-              <a:t>Solicitar Suporte</a:t>
+              <a:t>Solicitar suporte</a:t>
             </a:r>
             <a:endParaRPr>
               <a:solidFill>
@@ -16184,7 +16184,7 @@
           </a:solidFill>
           <a:ln cap="flat" cmpd="sng" w="12700">
             <a:solidFill>
-              <a:schemeClr val="accent1"/>
+              <a:srgbClr val="1155CC"/>
             </a:solidFill>
             <a:prstDash val="solid"/>
             <a:miter lim="800000"/>
@@ -16293,7 +16293,7 @@
         <p:spPr>
           <a:xfrm>
             <a:off x="8343975" y="4878525"/>
-            <a:ext cx="1881600" cy="307800"/>
+            <a:ext cx="2032500" cy="307800"/>
           </a:xfrm>
           <a:prstGeom prst="rect">
             <a:avLst/>
@@ -16328,7 +16328,7 @@
                   <a:schemeClr val="dk1"/>
                 </a:solidFill>
               </a:rPr>
-              <a:t>Vender produto</a:t>
+              <a:t>Vender produtos</a:t>
             </a:r>
             <a:endParaRPr/>
           </a:p>
@@ -16493,7 +16493,7 @@
                   <a:schemeClr val="dk1"/>
                 </a:solidFill>
               </a:rPr>
-              <a:t>Prestar Serviço de Manutenção</a:t>
+              <a:t>Prestar serviço de manutenção</a:t>
             </a:r>
             <a:endParaRPr>
               <a:solidFill>
@@ -16574,7 +16574,7 @@
             </a:pPr>
             <a:r>
               <a:rPr lang="pt-BR"/>
-              <a:t>Cenário: Comprar produtos</a:t>
+              <a:t>Cenário: Comprar Produtos</a:t>
             </a:r>
             <a:endParaRPr/>
           </a:p>
@@ -17054,7 +17054,7 @@
           </a:solidFill>
           <a:ln cap="flat" cmpd="sng" w="12700">
             <a:solidFill>
-              <a:srgbClr val="31538F"/>
+              <a:schemeClr val="dk1"/>
             </a:solidFill>
             <a:prstDash val="solid"/>
             <a:miter lim="8000"/>
@@ -17129,7 +17129,7 @@
           </a:solidFill>
           <a:ln cap="flat" cmpd="sng" w="12700">
             <a:solidFill>
-              <a:srgbClr val="31538F"/>
+              <a:srgbClr val="38761D"/>
             </a:solidFill>
             <a:prstDash val="solid"/>
             <a:miter lim="8000"/>
@@ -17368,7 +17368,7 @@
           </a:solidFill>
           <a:ln cap="flat" cmpd="sng" w="12700">
             <a:solidFill>
-              <a:srgbClr val="31538F"/>
+              <a:srgbClr val="38761D"/>
             </a:solidFill>
             <a:prstDash val="solid"/>
             <a:miter lim="8000"/>
@@ -17435,7 +17435,7 @@
           </a:solidFill>
           <a:ln cap="flat" cmpd="sng" w="12700">
             <a:solidFill>
-              <a:srgbClr val="31538F"/>
+              <a:schemeClr val="dk1"/>
             </a:solidFill>
             <a:prstDash val="solid"/>
             <a:miter lim="8000"/>
@@ -17759,7 +17759,7 @@
           </a:solidFill>
           <a:ln cap="flat" cmpd="sng" w="12700">
             <a:solidFill>
-              <a:srgbClr val="31538F"/>
+              <a:srgbClr val="38761D"/>
             </a:solidFill>
             <a:prstDash val="solid"/>
             <a:miter lim="8000"/>
@@ -17813,7 +17813,7 @@
         </p:nvSpPr>
         <p:spPr>
           <a:xfrm>
-            <a:off x="6546167" y="2321866"/>
+            <a:off x="6546142" y="2321866"/>
             <a:ext cx="3610800" cy="2875800"/>
           </a:xfrm>
           <a:prstGeom prst="roundRect">
@@ -18128,90 +18128,9 @@
           </a:p>
         </p:txBody>
       </p:sp>
-      <p:sp>
-        <p:nvSpPr>
-          <p:cNvPr id="132" name="Google Shape;132;gc8f36996b5_0_0"/>
-          <p:cNvSpPr/>
-          <p:nvPr/>
-        </p:nvSpPr>
-        <p:spPr>
-          <a:xfrm>
-            <a:off x="6546167" y="2321866"/>
-            <a:ext cx="3610800" cy="2875800"/>
-          </a:xfrm>
-          <a:prstGeom prst="roundRect">
-            <a:avLst>
-              <a:gd fmla="val 16667" name="adj"/>
-            </a:avLst>
-          </a:prstGeom>
-          <a:noFill/>
-          <a:ln cap="flat" cmpd="sng" w="12700">
-            <a:solidFill>
-              <a:srgbClr val="000000"/>
-            </a:solidFill>
-            <a:prstDash val="solid"/>
-            <a:miter lim="800000"/>
-            <a:headEnd len="sm" w="sm" type="none"/>
-            <a:tailEnd len="sm" w="sm" type="none"/>
-          </a:ln>
-          <a:effectLst>
-            <a:outerShdw blurRad="57150" rotWithShape="0" algn="bl" dir="5400000" dist="19050">
-              <a:srgbClr val="000000">
-                <a:alpha val="50000"/>
-              </a:srgbClr>
-            </a:outerShdw>
-          </a:effectLst>
-        </p:spPr>
-        <p:txBody>
-          <a:bodyPr anchorCtr="0" anchor="t" bIns="45700" lIns="91425" spcFirstLastPara="1" rIns="91425" wrap="square" tIns="45700">
-            <a:noAutofit/>
-          </a:bodyPr>
-          <a:lstStyle/>
-          <a:p>
-            <a:pPr indent="0" lvl="0" marL="0" marR="0" rtl="0" algn="ctr">
-              <a:lnSpc>
-                <a:spcPct val="100000"/>
-              </a:lnSpc>
-              <a:spcBef>
-                <a:spcPts val="0"/>
-              </a:spcBef>
-              <a:spcAft>
-                <a:spcPts val="0"/>
-              </a:spcAft>
-              <a:buClr>
-                <a:srgbClr val="000000"/>
-              </a:buClr>
-              <a:buSzPts val="1800"/>
-              <a:buFont typeface="Arial"/>
-              <a:buNone/>
-            </a:pPr>
-            <a:r>
-              <a:rPr lang="pt-BR" sz="1800">
-                <a:solidFill>
-                  <a:schemeClr val="dk1"/>
-                </a:solidFill>
-                <a:latin typeface="Calibri"/>
-                <a:ea typeface="Calibri"/>
-                <a:cs typeface="Calibri"/>
-                <a:sym typeface="Calibri"/>
-              </a:rPr>
-              <a:t>GamaWare</a:t>
-            </a:r>
-            <a:endParaRPr b="0" i="0" sz="1400" u="none" cap="none" strike="noStrike">
-              <a:solidFill>
-                <a:srgbClr val="000000"/>
-              </a:solidFill>
-              <a:latin typeface="Arial"/>
-              <a:ea typeface="Arial"/>
-              <a:cs typeface="Arial"/>
-              <a:sym typeface="Arial"/>
-            </a:endParaRPr>
-          </a:p>
-        </p:txBody>
-      </p:sp>
       <p:cxnSp>
         <p:nvCxnSpPr>
-          <p:cNvPr id="133" name="Google Shape;133;gc8f36996b5_0_0"/>
+          <p:cNvPr id="132" name="Google Shape;132;gc8f36996b5_0_0"/>
           <p:cNvCxnSpPr>
             <a:stCxn id="130" idx="3"/>
             <a:endCxn id="131" idx="0"/>
@@ -18247,7 +18166,7 @@
       </p:cxnSp>
       <p:sp>
         <p:nvSpPr>
-          <p:cNvPr id="134" name="Google Shape;134;gc8f36996b5_0_0"/>
+          <p:cNvPr id="133" name="Google Shape;133;gc8f36996b5_0_0"/>
           <p:cNvSpPr/>
           <p:nvPr/>
         </p:nvSpPr>
@@ -18266,7 +18185,7 @@
           </a:solidFill>
           <a:ln cap="flat" cmpd="sng" w="12700">
             <a:solidFill>
-              <a:srgbClr val="31538F"/>
+              <a:srgbClr val="38761D"/>
             </a:solidFill>
             <a:prstDash val="solid"/>
             <a:miter lim="8000"/>
@@ -18314,7 +18233,7 @@
       </p:sp>
       <p:sp>
         <p:nvSpPr>
-          <p:cNvPr id="135" name="Google Shape;135;gc8f36996b5_0_0"/>
+          <p:cNvPr id="134" name="Google Shape;134;gc8f36996b5_0_0"/>
           <p:cNvSpPr/>
           <p:nvPr/>
         </p:nvSpPr>
@@ -18333,7 +18252,7 @@
           </a:solidFill>
           <a:ln cap="flat" cmpd="sng" w="12700">
             <a:solidFill>
-              <a:srgbClr val="31538F"/>
+              <a:schemeClr val="dk1"/>
             </a:solidFill>
             <a:prstDash val="solid"/>
             <a:miter lim="8000"/>
@@ -18389,7 +18308,7 @@
       </p:sp>
       <p:sp>
         <p:nvSpPr>
-          <p:cNvPr id="136" name="Google Shape;136;gc8f36996b5_0_0"/>
+          <p:cNvPr id="135" name="Google Shape;135;gc8f36996b5_0_0"/>
           <p:cNvSpPr txBox="1"/>
           <p:nvPr>
             <p:ph type="title"/>
@@ -18433,7 +18352,7 @@
             </a:pPr>
             <a:r>
               <a:rPr lang="pt-BR"/>
-              <a:t>Cenário: Efetuar devolução</a:t>
+              <a:t>Cenário: Efetuar Devolução</a:t>
             </a:r>
             <a:endParaRPr/>
           </a:p>
@@ -18441,7 +18360,7 @@
       </p:sp>
       <p:sp>
         <p:nvSpPr>
-          <p:cNvPr id="137" name="Google Shape;137;gc8f36996b5_0_0"/>
+          <p:cNvPr id="136" name="Google Shape;136;gc8f36996b5_0_0"/>
           <p:cNvSpPr/>
           <p:nvPr/>
         </p:nvSpPr>
@@ -18522,9 +18441,9 @@
       </p:sp>
       <p:cxnSp>
         <p:nvCxnSpPr>
-          <p:cNvPr id="138" name="Google Shape;138;gc8f36996b5_0_0"/>
+          <p:cNvPr id="137" name="Google Shape;137;gc8f36996b5_0_0"/>
           <p:cNvCxnSpPr>
-            <a:stCxn id="137" idx="3"/>
+            <a:stCxn id="136" idx="3"/>
           </p:cNvCxnSpPr>
           <p:nvPr/>
         </p:nvCxnSpPr>
@@ -18559,7 +18478,7 @@
       </p:cxnSp>
       <p:cxnSp>
         <p:nvCxnSpPr>
-          <p:cNvPr id="139" name="Google Shape;139;gc8f36996b5_0_0"/>
+          <p:cNvPr id="138" name="Google Shape;138;gc8f36996b5_0_0"/>
           <p:cNvCxnSpPr/>
           <p:nvPr/>
         </p:nvCxnSpPr>
@@ -18590,6 +18509,87 @@
           </a:effectLst>
         </p:spPr>
       </p:cxnSp>
+      <p:sp>
+        <p:nvSpPr>
+          <p:cNvPr id="139" name="Google Shape;139;gc8f36996b5_0_0"/>
+          <p:cNvSpPr/>
+          <p:nvPr/>
+        </p:nvSpPr>
+        <p:spPr>
+          <a:xfrm>
+            <a:off x="6546142" y="2321866"/>
+            <a:ext cx="3610800" cy="2875800"/>
+          </a:xfrm>
+          <a:prstGeom prst="roundRect">
+            <a:avLst>
+              <a:gd fmla="val 16667" name="adj"/>
+            </a:avLst>
+          </a:prstGeom>
+          <a:noFill/>
+          <a:ln cap="flat" cmpd="sng" w="12700">
+            <a:solidFill>
+              <a:srgbClr val="000000"/>
+            </a:solidFill>
+            <a:prstDash val="solid"/>
+            <a:miter lim="800000"/>
+            <a:headEnd len="sm" w="sm" type="none"/>
+            <a:tailEnd len="sm" w="sm" type="none"/>
+          </a:ln>
+          <a:effectLst>
+            <a:outerShdw blurRad="57150" rotWithShape="0" algn="bl" dir="5400000" dist="19050">
+              <a:srgbClr val="000000">
+                <a:alpha val="50000"/>
+              </a:srgbClr>
+            </a:outerShdw>
+          </a:effectLst>
+        </p:spPr>
+        <p:txBody>
+          <a:bodyPr anchorCtr="0" anchor="t" bIns="45700" lIns="91425" spcFirstLastPara="1" rIns="91425" wrap="square" tIns="45700">
+            <a:noAutofit/>
+          </a:bodyPr>
+          <a:lstStyle/>
+          <a:p>
+            <a:pPr indent="0" lvl="0" marL="0" marR="0" rtl="0" algn="ctr">
+              <a:lnSpc>
+                <a:spcPct val="100000"/>
+              </a:lnSpc>
+              <a:spcBef>
+                <a:spcPts val="0"/>
+              </a:spcBef>
+              <a:spcAft>
+                <a:spcPts val="0"/>
+              </a:spcAft>
+              <a:buClr>
+                <a:srgbClr val="000000"/>
+              </a:buClr>
+              <a:buSzPts val="1800"/>
+              <a:buFont typeface="Arial"/>
+              <a:buNone/>
+            </a:pPr>
+            <a:r>
+              <a:rPr lang="pt-BR" sz="1800">
+                <a:solidFill>
+                  <a:schemeClr val="dk1"/>
+                </a:solidFill>
+                <a:latin typeface="Calibri"/>
+                <a:ea typeface="Calibri"/>
+                <a:cs typeface="Calibri"/>
+                <a:sym typeface="Calibri"/>
+              </a:rPr>
+              <a:t>GamaWare</a:t>
+            </a:r>
+            <a:endParaRPr b="0" i="0" sz="1400" u="none" cap="none" strike="noStrike">
+              <a:solidFill>
+                <a:srgbClr val="000000"/>
+              </a:solidFill>
+              <a:latin typeface="Arial"/>
+              <a:ea typeface="Arial"/>
+              <a:cs typeface="Arial"/>
+              <a:sym typeface="Arial"/>
+            </a:endParaRPr>
+          </a:p>
+        </p:txBody>
+      </p:sp>
     </p:spTree>
   </p:cSld>
   <p:clrMapOvr>
@@ -18851,7 +18851,7 @@
           </a:solidFill>
           <a:ln cap="flat" cmpd="sng" w="12700">
             <a:solidFill>
-              <a:schemeClr val="accent1"/>
+              <a:srgbClr val="1155CC"/>
             </a:solidFill>
             <a:prstDash val="solid"/>
             <a:miter lim="800000"/>
@@ -19008,7 +19008,7 @@
           </a:solidFill>
           <a:ln cap="flat" cmpd="sng" w="12700">
             <a:solidFill>
-              <a:srgbClr val="31538F"/>
+              <a:srgbClr val="38761D"/>
             </a:solidFill>
             <a:prstDash val="solid"/>
             <a:miter lim="8000"/>
@@ -19075,7 +19075,7 @@
           </a:solidFill>
           <a:ln cap="flat" cmpd="sng" w="12700">
             <a:solidFill>
-              <a:srgbClr val="31538F"/>
+              <a:schemeClr val="dk1"/>
             </a:solidFill>
             <a:prstDash val="solid"/>
             <a:miter lim="8000"/>
@@ -19179,7 +19179,7 @@
             </a:r>
             <a:r>
               <a:rPr lang="pt-BR"/>
-              <a:t>rio: Vender produto</a:t>
+              <a:t>rio: Vender Produtos</a:t>
             </a:r>
             <a:endParaRPr/>
           </a:p>
@@ -19193,7 +19193,7 @@
         </p:nvSpPr>
         <p:spPr>
           <a:xfrm>
-            <a:off x="6546167" y="2321866"/>
+            <a:off x="6546142" y="2321866"/>
             <a:ext cx="3610800" cy="2875800"/>
           </a:xfrm>
           <a:prstGeom prst="roundRect">
@@ -19508,104 +19508,23 @@
           </a:p>
         </p:txBody>
       </p:sp>
-      <p:sp>
-        <p:nvSpPr>
-          <p:cNvPr id="159" name="Google Shape;159;gc092896149_2_4"/>
-          <p:cNvSpPr/>
-          <p:nvPr/>
-        </p:nvSpPr>
-        <p:spPr>
-          <a:xfrm>
-            <a:off x="2035125" y="3097655"/>
-            <a:ext cx="1336500" cy="914400"/>
-          </a:xfrm>
-          <a:prstGeom prst="rect">
-            <a:avLst/>
-          </a:prstGeom>
-          <a:solidFill>
-            <a:srgbClr val="38761D"/>
-          </a:solidFill>
-          <a:ln cap="flat" cmpd="sng" w="12700">
-            <a:solidFill>
-              <a:srgbClr val="6AA84F"/>
-            </a:solidFill>
-            <a:prstDash val="solid"/>
-            <a:miter lim="800000"/>
-            <a:headEnd len="sm" w="sm" type="none"/>
-            <a:tailEnd len="sm" w="sm" type="none"/>
-          </a:ln>
-          <a:effectLst>
-            <a:outerShdw blurRad="57150" rotWithShape="0" algn="bl" dir="5400000" dist="19050">
-              <a:srgbClr val="000000">
-                <a:alpha val="50000"/>
-              </a:srgbClr>
-            </a:outerShdw>
-          </a:effectLst>
-        </p:spPr>
-        <p:txBody>
-          <a:bodyPr anchorCtr="0" anchor="ctr" bIns="45700" lIns="91425" spcFirstLastPara="1" rIns="91425" wrap="square" tIns="45700">
-            <a:noAutofit/>
-          </a:bodyPr>
-          <a:lstStyle/>
-          <a:p>
-            <a:pPr indent="0" lvl="0" marL="0" marR="0" rtl="0" algn="ctr">
-              <a:lnSpc>
-                <a:spcPct val="100000"/>
-              </a:lnSpc>
-              <a:spcBef>
-                <a:spcPts val="0"/>
-              </a:spcBef>
-              <a:spcAft>
-                <a:spcPts val="0"/>
-              </a:spcAft>
-              <a:buClr>
-                <a:srgbClr val="000000"/>
-              </a:buClr>
-              <a:buSzPts val="1800"/>
-              <a:buFont typeface="Arial"/>
-              <a:buNone/>
-            </a:pPr>
-            <a:r>
-              <a:rPr lang="pt-BR" sz="1800">
-                <a:solidFill>
-                  <a:schemeClr val="lt1"/>
-                </a:solidFill>
-                <a:latin typeface="Calibri"/>
-                <a:ea typeface="Calibri"/>
-                <a:cs typeface="Calibri"/>
-                <a:sym typeface="Calibri"/>
-              </a:rPr>
-              <a:t>Terceiro</a:t>
-            </a:r>
-            <a:endParaRPr b="0" i="0" sz="1400" u="none" cap="none" strike="noStrike">
-              <a:solidFill>
-                <a:srgbClr val="000000"/>
-              </a:solidFill>
-              <a:latin typeface="Arial"/>
-              <a:ea typeface="Arial"/>
-              <a:cs typeface="Arial"/>
-              <a:sym typeface="Arial"/>
-            </a:endParaRPr>
-          </a:p>
-        </p:txBody>
-      </p:sp>
       <p:cxnSp>
         <p:nvCxnSpPr>
-          <p:cNvPr id="160" name="Google Shape;160;gc092896149_2_4"/>
+          <p:cNvPr id="159" name="Google Shape;159;gc092896149_2_4"/>
           <p:cNvCxnSpPr>
-            <a:stCxn id="159" idx="3"/>
+            <a:stCxn id="160" idx="3"/>
             <a:endCxn id="157" idx="2"/>
           </p:cNvCxnSpPr>
           <p:nvPr/>
         </p:nvCxnSpPr>
         <p:spPr>
           <a:xfrm>
-            <a:off x="3371625" y="3554855"/>
+            <a:off x="3371697" y="3554220"/>
             <a:ext cx="4166100" cy="600"/>
           </a:xfrm>
           <a:prstGeom prst="curvedConnector3">
             <a:avLst>
-              <a:gd fmla="val 50001" name="adj1"/>
+              <a:gd fmla="val 50000" name="adj1"/>
             </a:avLst>
           </a:prstGeom>
           <a:noFill/>
@@ -19684,7 +19603,7 @@
           </a:solidFill>
           <a:ln cap="flat" cmpd="sng" w="12700">
             <a:solidFill>
-              <a:srgbClr val="31538F"/>
+              <a:srgbClr val="38761D"/>
             </a:solidFill>
             <a:prstDash val="solid"/>
             <a:miter lim="8000"/>
@@ -19759,7 +19678,7 @@
           </a:solidFill>
           <a:ln cap="flat" cmpd="sng" w="12700">
             <a:solidFill>
-              <a:srgbClr val="31538F"/>
+              <a:schemeClr val="dk1"/>
             </a:solidFill>
             <a:prstDash val="solid"/>
             <a:miter lim="8000"/>
@@ -19859,7 +19778,7 @@
             </a:pPr>
             <a:r>
               <a:rPr lang="pt-BR"/>
-              <a:t>Cenário: Prestar serviço de manutenção</a:t>
+              <a:t>Cenário: Prestar Serviço de Manutenção</a:t>
             </a:r>
             <a:endParaRPr/>
           </a:p>
@@ -19906,7 +19825,7 @@
         </p:nvSpPr>
         <p:spPr>
           <a:xfrm>
-            <a:off x="6546167" y="2321866"/>
+            <a:off x="6546142" y="2321866"/>
             <a:ext cx="3610800" cy="2875800"/>
           </a:xfrm>
           <a:prstGeom prst="roundRect">
@@ -19970,6 +19889,83 @@
             <a:endParaRPr b="0" i="0" sz="1400" u="none" cap="none" strike="noStrike">
               <a:solidFill>
                 <a:srgbClr val="000000"/>
+              </a:solidFill>
+              <a:latin typeface="Arial"/>
+              <a:ea typeface="Arial"/>
+              <a:cs typeface="Arial"/>
+              <a:sym typeface="Arial"/>
+            </a:endParaRPr>
+          </a:p>
+        </p:txBody>
+      </p:sp>
+      <p:sp>
+        <p:nvSpPr>
+          <p:cNvPr id="167" name="Google Shape;167;gc092896149_2_4"/>
+          <p:cNvSpPr/>
+          <p:nvPr/>
+        </p:nvSpPr>
+        <p:spPr>
+          <a:xfrm>
+            <a:off x="2035188" y="3097330"/>
+            <a:ext cx="1336500" cy="914400"/>
+          </a:xfrm>
+          <a:prstGeom prst="rect">
+            <a:avLst/>
+          </a:prstGeom>
+          <a:solidFill>
+            <a:srgbClr val="38761D"/>
+          </a:solidFill>
+          <a:ln cap="flat" cmpd="sng" w="12700">
+            <a:solidFill>
+              <a:srgbClr val="38761D"/>
+            </a:solidFill>
+            <a:prstDash val="solid"/>
+            <a:miter lim="800000"/>
+            <a:headEnd len="sm" w="sm" type="none"/>
+            <a:tailEnd len="sm" w="sm" type="none"/>
+          </a:ln>
+          <a:effectLst>
+            <a:outerShdw blurRad="57150" rotWithShape="0" algn="bl" dir="5400000" dist="19050">
+              <a:srgbClr val="000000">
+                <a:alpha val="50000"/>
+              </a:srgbClr>
+            </a:outerShdw>
+          </a:effectLst>
+        </p:spPr>
+        <p:txBody>
+          <a:bodyPr anchorCtr="0" anchor="ctr" bIns="45700" lIns="91425" spcFirstLastPara="1" rIns="91425" wrap="square" tIns="45700">
+            <a:noAutofit/>
+          </a:bodyPr>
+          <a:lstStyle/>
+          <a:p>
+            <a:pPr indent="0" lvl="0" marL="0" marR="0" rtl="0" algn="ctr">
+              <a:lnSpc>
+                <a:spcPct val="100000"/>
+              </a:lnSpc>
+              <a:spcBef>
+                <a:spcPts val="0"/>
+              </a:spcBef>
+              <a:spcAft>
+                <a:spcPts val="0"/>
+              </a:spcAft>
+              <a:buClr>
+                <a:srgbClr val="000000"/>
+              </a:buClr>
+              <a:buSzPts val="1800"/>
+              <a:buFont typeface="Arial"/>
+              <a:buNone/>
+            </a:pPr>
+            <a:r>
+              <a:rPr lang="pt-BR">
+                <a:solidFill>
+                  <a:srgbClr val="FFFFFF"/>
+                </a:solidFill>
+              </a:rPr>
+              <a:t>Terceiro</a:t>
+            </a:r>
+            <a:endParaRPr b="0" i="0" sz="1400" u="none" cap="none" strike="noStrike">
+              <a:solidFill>
+                <a:srgbClr val="FFFFFF"/>
               </a:solidFill>
               <a:latin typeface="Arial"/>
               <a:ea typeface="Arial"/>

--- a/15-Arquitetura de Negócio para cada Cenário.pptx
+++ b/15-Arquitetura de Negócio para cada Cenário.pptx
@@ -14,14 +14,15 @@
     <p:sldId id="259" r:id="rId8"/>
     <p:sldId id="260" r:id="rId9"/>
     <p:sldId id="261" r:id="rId10"/>
+    <p:sldId id="262" r:id="rId11"/>
   </p:sldIdLst>
   <p:sldSz cy="6858000" cx="12192000"/>
   <p:notesSz cx="6858000" cy="9144000"/>
   <p:embeddedFontLst>
     <p:embeddedFont>
       <p:font typeface="Gill Sans"/>
-      <p:regular r:id="rId11"/>
-      <p:bold r:id="rId12"/>
+      <p:regular r:id="rId12"/>
+      <p:bold r:id="rId13"/>
     </p:embeddedFont>
   </p:embeddedFontLst>
   <p:defaultTextStyle>
@@ -255,7 +256,7 @@
   </p:defaultTextStyle>
   <p:extLst>
     <p:ext uri="http://customooxmlschemas.google.com/">
-      <go:slidesCustomData xmlns:go="http://customooxmlschemas.google.com/" r:id="rId13" roundtripDataSignature="AMtx7mgDTNwmsR0O/s5sL5xQHr1NVIfaJA=="/>
+      <go:slidesCustomData xmlns:go="http://customooxmlschemas.google.com/" r:id="rId14" roundtripDataSignature="AMtx7mhSe0tSfbesZmJuhcVvJao0PgmsfQ=="/>
     </p:ext>
   </p:extLst>
 </p:presentation>
@@ -2045,7 +2046,7 @@
   <p:cSld>
     <p:spTree>
       <p:nvGrpSpPr>
-        <p:cNvPr id="126" name="Shape 126"/>
+        <p:cNvPr id="124" name="Shape 124"/>
         <p:cNvGrpSpPr/>
         <p:nvPr/>
       </p:nvGrpSpPr>
@@ -2059,7 +2060,7 @@
       </p:grpSpPr>
       <p:sp>
         <p:nvSpPr>
-          <p:cNvPr id="127" name="Google Shape;127;gc8f36996b5_0_0:notes"/>
+          <p:cNvPr id="125" name="Google Shape;125;gd9e0effe83_0_0:notes"/>
           <p:cNvSpPr txBox="1"/>
           <p:nvPr>
             <p:ph idx="1" type="body"/>
@@ -2106,7 +2107,7 @@
       </p:sp>
       <p:sp>
         <p:nvSpPr>
-          <p:cNvPr id="128" name="Google Shape;128;gc8f36996b5_0_0:notes"/>
+          <p:cNvPr id="126" name="Google Shape;126;gd9e0effe83_0_0:notes"/>
           <p:cNvSpPr/>
           <p:nvPr>
             <p:ph idx="2" type="sldImg"/>
@@ -2162,7 +2163,7 @@
   <p:cSld>
     <p:spTree>
       <p:nvGrpSpPr>
-        <p:cNvPr id="140" name="Shape 140"/>
+        <p:cNvPr id="136" name="Shape 136"/>
         <p:cNvGrpSpPr/>
         <p:nvPr/>
       </p:nvGrpSpPr>
@@ -2176,7 +2177,7 @@
       </p:grpSpPr>
       <p:sp>
         <p:nvSpPr>
-          <p:cNvPr id="141" name="Google Shape;141;gc092896149_1_24:notes"/>
+          <p:cNvPr id="137" name="Google Shape;137;gc8f36996b5_0_0:notes"/>
           <p:cNvSpPr txBox="1"/>
           <p:nvPr>
             <p:ph idx="1" type="body"/>
@@ -2223,7 +2224,7 @@
       </p:sp>
       <p:sp>
         <p:nvSpPr>
-          <p:cNvPr id="142" name="Google Shape;142;gc092896149_1_24:notes"/>
+          <p:cNvPr id="138" name="Google Shape;138;gc8f36996b5_0_0:notes"/>
           <p:cNvSpPr/>
           <p:nvPr>
             <p:ph idx="2" type="sldImg"/>
@@ -2279,7 +2280,7 @@
   <p:cSld>
     <p:spTree>
       <p:nvGrpSpPr>
-        <p:cNvPr id="153" name="Shape 153"/>
+        <p:cNvPr id="150" name="Shape 150"/>
         <p:cNvGrpSpPr/>
         <p:nvPr/>
       </p:nvGrpSpPr>
@@ -2293,7 +2294,7 @@
       </p:grpSpPr>
       <p:sp>
         <p:nvSpPr>
-          <p:cNvPr id="154" name="Google Shape;154;gc092896149_2_4:notes"/>
+          <p:cNvPr id="151" name="Google Shape;151;gc092896149_1_24:notes"/>
           <p:cNvSpPr txBox="1"/>
           <p:nvPr>
             <p:ph idx="1" type="body"/>
@@ -2340,7 +2341,124 @@
       </p:sp>
       <p:sp>
         <p:nvSpPr>
-          <p:cNvPr id="155" name="Google Shape;155;gc092896149_2_4:notes"/>
+          <p:cNvPr id="152" name="Google Shape;152;gc092896149_1_24:notes"/>
+          <p:cNvSpPr/>
+          <p:nvPr>
+            <p:ph idx="2" type="sldImg"/>
+          </p:nvPr>
+        </p:nvSpPr>
+        <p:spPr>
+          <a:xfrm>
+            <a:off x="685800" y="1143000"/>
+            <a:ext cx="5486400" cy="3086100"/>
+          </a:xfrm>
+          <a:custGeom>
+            <a:rect b="b" l="l" r="r" t="t"/>
+            <a:pathLst>
+              <a:path extrusionOk="0" h="120000" w="120000">
+                <a:moveTo>
+                  <a:pt x="0" y="0"/>
+                </a:moveTo>
+                <a:lnTo>
+                  <a:pt x="120000" y="0"/>
+                </a:lnTo>
+                <a:lnTo>
+                  <a:pt x="120000" y="120000"/>
+                </a:lnTo>
+                <a:lnTo>
+                  <a:pt x="0" y="120000"/>
+                </a:lnTo>
+                <a:close/>
+              </a:path>
+            </a:pathLst>
+          </a:custGeom>
+          <a:noFill/>
+          <a:ln cap="flat" cmpd="sng" w="12700">
+            <a:solidFill>
+              <a:srgbClr val="000000"/>
+            </a:solidFill>
+            <a:prstDash val="solid"/>
+            <a:round/>
+            <a:headEnd len="sm" w="sm" type="none"/>
+            <a:tailEnd len="sm" w="sm" type="none"/>
+          </a:ln>
+        </p:spPr>
+      </p:sp>
+    </p:spTree>
+  </p:cSld>
+  <p:clrMapOvr>
+    <a:masterClrMapping/>
+  </p:clrMapOvr>
+</p:notes>
+</file>
+
+<file path=ppt/notesSlides/notesSlide7.xml><?xml version="1.0" encoding="utf-8"?>
+<p:notes xmlns:a="http://schemas.openxmlformats.org/drawingml/2006/main" xmlns:r="http://schemas.openxmlformats.org/officeDocument/2006/relationships" xmlns:mc="http://schemas.openxmlformats.org/markup-compatibility/2006" xmlns:mv="urn:schemas-microsoft-com:mac:vml" xmlns:p="http://schemas.openxmlformats.org/presentationml/2006/main" xmlns:c="http://schemas.openxmlformats.org/drawingml/2006/chart" xmlns:dgm="http://schemas.openxmlformats.org/drawingml/2006/diagram" xmlns:o="urn:schemas-microsoft-com:office:office" xmlns:v="urn:schemas-microsoft-com:vml" xmlns:pvml="urn:schemas-microsoft-com:office:powerpoint" xmlns:com="http://schemas.openxmlformats.org/drawingml/2006/compatibility" xmlns:p14="http://schemas.microsoft.com/office/powerpoint/2010/main" xmlns:p15="http://schemas.microsoft.com/office/powerpoint/2012/main" xmlns:ahyp="http://schemas.microsoft.com/office/drawing/2018/hyperlinkcolor" showMasterPhAnim="0" showMasterSp="0">
+  <p:cSld>
+    <p:spTree>
+      <p:nvGrpSpPr>
+        <p:cNvPr id="163" name="Shape 163"/>
+        <p:cNvGrpSpPr/>
+        <p:nvPr/>
+      </p:nvGrpSpPr>
+      <p:grpSpPr>
+        <a:xfrm>
+          <a:off x="0" y="0"/>
+          <a:ext cx="0" cy="0"/>
+          <a:chOff x="0" y="0"/>
+          <a:chExt cx="0" cy="0"/>
+        </a:xfrm>
+      </p:grpSpPr>
+      <p:sp>
+        <p:nvSpPr>
+          <p:cNvPr id="164" name="Google Shape;164;gc092896149_2_4:notes"/>
+          <p:cNvSpPr txBox="1"/>
+          <p:nvPr>
+            <p:ph idx="1" type="body"/>
+          </p:nvPr>
+        </p:nvSpPr>
+        <p:spPr>
+          <a:xfrm>
+            <a:off x="685800" y="4400550"/>
+            <a:ext cx="5486400" cy="3600600"/>
+          </a:xfrm>
+          <a:prstGeom prst="rect">
+            <a:avLst/>
+          </a:prstGeom>
+          <a:noFill/>
+          <a:ln>
+            <a:noFill/>
+          </a:ln>
+        </p:spPr>
+        <p:txBody>
+          <a:bodyPr anchorCtr="0" anchor="t" bIns="45700" lIns="91425" spcFirstLastPara="1" rIns="91425" wrap="square" tIns="45700">
+            <a:noAutofit/>
+          </a:bodyPr>
+          <a:lstStyle/>
+          <a:p>
+            <a:pPr indent="0" lvl="0" marL="0" rtl="0" algn="l">
+              <a:lnSpc>
+                <a:spcPct val="100000"/>
+              </a:lnSpc>
+              <a:spcBef>
+                <a:spcPts val="0"/>
+              </a:spcBef>
+              <a:spcAft>
+                <a:spcPts val="0"/>
+              </a:spcAft>
+              <a:buSzPts val="1400"/>
+              <a:buNone/>
+            </a:pPr>
+            <a:r>
+              <a:t/>
+            </a:r>
+            <a:endParaRPr/>
+          </a:p>
+        </p:txBody>
+      </p:sp>
+      <p:sp>
+        <p:nvSpPr>
+          <p:cNvPr id="165" name="Google Shape;165;gc092896149_2_4:notes"/>
           <p:cNvSpPr/>
           <p:nvPr>
             <p:ph idx="2" type="sldImg"/>
@@ -15888,7 +16006,7 @@
         <p:spPr>
           <a:xfrm>
             <a:off x="3414375" y="2192750"/>
-            <a:ext cx="3362400" cy="738900"/>
+            <a:ext cx="3362400" cy="954300"/>
           </a:xfrm>
           <a:prstGeom prst="rect">
             <a:avLst/>
@@ -15951,6 +16069,37 @@
                 </a:solidFill>
               </a:rPr>
               <a:t>Solicitar suporte</a:t>
+            </a:r>
+            <a:endParaRPr>
+              <a:solidFill>
+                <a:schemeClr val="dk1"/>
+              </a:solidFill>
+            </a:endParaRPr>
+          </a:p>
+          <a:p>
+            <a:pPr indent="-317500" lvl="0" marL="342900" marR="0" rtl="0" algn="l">
+              <a:lnSpc>
+                <a:spcPct val="100000"/>
+              </a:lnSpc>
+              <a:spcBef>
+                <a:spcPts val="0"/>
+              </a:spcBef>
+              <a:spcAft>
+                <a:spcPts val="0"/>
+              </a:spcAft>
+              <a:buClr>
+                <a:schemeClr val="dk1"/>
+              </a:buClr>
+              <a:buSzPts val="1400"/>
+              <a:buAutoNum type="arabicPeriod"/>
+            </a:pPr>
+            <a:r>
+              <a:rPr lang="pt-BR">
+                <a:solidFill>
+                  <a:schemeClr val="dk1"/>
+                </a:solidFill>
+              </a:rPr>
+              <a:t>Enviar produto para manutenção</a:t>
             </a:r>
             <a:endParaRPr>
               <a:solidFill>
@@ -16320,7 +16469,7 @@
                 <a:schemeClr val="dk1"/>
               </a:buClr>
               <a:buSzPts val="1400"/>
-              <a:buAutoNum type="arabicPeriod" startAt="4"/>
+              <a:buAutoNum type="arabicPeriod" startAt="5"/>
             </a:pPr>
             <a:r>
               <a:rPr lang="pt-BR">
@@ -16485,7 +16634,7 @@
                 <a:schemeClr val="dk1"/>
               </a:buClr>
               <a:buSzPts val="1400"/>
-              <a:buAutoNum type="arabicPeriod" startAt="5"/>
+              <a:buAutoNum type="arabicPeriod" startAt="6"/>
             </a:pPr>
             <a:r>
               <a:rPr lang="pt-BR">
@@ -17355,7 +17504,296 @@
         </p:nvSpPr>
         <p:spPr>
           <a:xfrm>
-            <a:off x="8457550" y="4437900"/>
+            <a:off x="7542300" y="3181400"/>
+            <a:ext cx="1627500" cy="584400"/>
+          </a:xfrm>
+          <a:prstGeom prst="cube">
+            <a:avLst>
+              <a:gd fmla="val 25000" name="adj"/>
+            </a:avLst>
+          </a:prstGeom>
+          <a:solidFill>
+            <a:srgbClr val="F1C232"/>
+          </a:solidFill>
+          <a:ln cap="flat" cmpd="sng" w="12700">
+            <a:solidFill>
+              <a:schemeClr val="dk1"/>
+            </a:solidFill>
+            <a:prstDash val="solid"/>
+            <a:miter lim="8000"/>
+            <a:headEnd len="sm" w="sm" type="none"/>
+            <a:tailEnd len="sm" w="sm" type="none"/>
+          </a:ln>
+          <a:effectLst>
+            <a:outerShdw blurRad="57150" rotWithShape="0" algn="bl" dir="5400000" dist="19050">
+              <a:srgbClr val="000000">
+                <a:alpha val="50000"/>
+              </a:srgbClr>
+            </a:outerShdw>
+          </a:effectLst>
+        </p:spPr>
+        <p:txBody>
+          <a:bodyPr anchorCtr="0" anchor="t" bIns="91425" lIns="91425" spcFirstLastPara="1" rIns="91425" wrap="square" tIns="91425">
+            <a:noAutofit/>
+          </a:bodyPr>
+          <a:lstStyle/>
+          <a:p>
+            <a:pPr indent="0" lvl="0" marL="0" rtl="0" algn="ctr">
+              <a:spcBef>
+                <a:spcPts val="0"/>
+              </a:spcBef>
+              <a:spcAft>
+                <a:spcPts val="0"/>
+              </a:spcAft>
+              <a:buNone/>
+            </a:pPr>
+            <a:r>
+              <a:rPr lang="pt-BR" sz="1000"/>
+              <a:t>Atendimento</a:t>
+            </a:r>
+            <a:endParaRPr sz="1000"/>
+          </a:p>
+          <a:p>
+            <a:pPr indent="0" lvl="0" marL="0" rtl="0" algn="ctr">
+              <a:spcBef>
+                <a:spcPts val="0"/>
+              </a:spcBef>
+              <a:spcAft>
+                <a:spcPts val="0"/>
+              </a:spcAft>
+              <a:buNone/>
+            </a:pPr>
+            <a:r>
+              <a:rPr lang="pt-BR" sz="1000"/>
+              <a:t>(nó operacional)</a:t>
+            </a:r>
+            <a:endParaRPr sz="1000"/>
+          </a:p>
+        </p:txBody>
+      </p:sp>
+      <p:sp>
+        <p:nvSpPr>
+          <p:cNvPr id="118" name="Google Shape;118;gc092896149_1_12"/>
+          <p:cNvSpPr txBox="1"/>
+          <p:nvPr>
+            <p:ph type="title"/>
+          </p:nvPr>
+        </p:nvSpPr>
+        <p:spPr>
+          <a:xfrm>
+            <a:off x="838200" y="365125"/>
+            <a:ext cx="10515600" cy="1325700"/>
+          </a:xfrm>
+          <a:prstGeom prst="rect">
+            <a:avLst/>
+          </a:prstGeom>
+          <a:noFill/>
+          <a:ln>
+            <a:noFill/>
+          </a:ln>
+        </p:spPr>
+        <p:txBody>
+          <a:bodyPr anchorCtr="0" anchor="ctr" bIns="45700" lIns="91425" spcFirstLastPara="1" rIns="91425" wrap="square" tIns="45700">
+            <a:normAutofit/>
+          </a:bodyPr>
+          <a:lstStyle/>
+          <a:p>
+            <a:pPr indent="0" lvl="0" marL="0" rtl="0" algn="l">
+              <a:lnSpc>
+                <a:spcPct val="90000"/>
+              </a:lnSpc>
+              <a:spcBef>
+                <a:spcPts val="0"/>
+              </a:spcBef>
+              <a:spcAft>
+                <a:spcPts val="0"/>
+              </a:spcAft>
+              <a:buClr>
+                <a:schemeClr val="dk1"/>
+              </a:buClr>
+              <a:buSzPts val="4400"/>
+              <a:buFont typeface="Calibri"/>
+              <a:buNone/>
+            </a:pPr>
+            <a:r>
+              <a:rPr lang="pt-BR"/>
+              <a:t>Cenário: </a:t>
+            </a:r>
+            <a:r>
+              <a:rPr lang="pt-BR"/>
+              <a:t>Solicitar</a:t>
+            </a:r>
+            <a:r>
+              <a:rPr lang="pt-BR"/>
+              <a:t> Suporte</a:t>
+            </a:r>
+            <a:endParaRPr/>
+          </a:p>
+        </p:txBody>
+      </p:sp>
+      <p:sp>
+        <p:nvSpPr>
+          <p:cNvPr id="119" name="Google Shape;119;gc092896149_1_12"/>
+          <p:cNvSpPr/>
+          <p:nvPr/>
+        </p:nvSpPr>
+        <p:spPr>
+          <a:xfrm>
+            <a:off x="2035125" y="3097655"/>
+            <a:ext cx="1336500" cy="914400"/>
+          </a:xfrm>
+          <a:prstGeom prst="rect">
+            <a:avLst/>
+          </a:prstGeom>
+          <a:solidFill>
+            <a:srgbClr val="CC0000"/>
+          </a:solidFill>
+          <a:ln cap="flat" cmpd="sng" w="12700">
+            <a:solidFill>
+              <a:srgbClr val="FF0000"/>
+            </a:solidFill>
+            <a:prstDash val="solid"/>
+            <a:miter lim="800000"/>
+            <a:headEnd len="sm" w="sm" type="none"/>
+            <a:tailEnd len="sm" w="sm" type="none"/>
+          </a:ln>
+          <a:effectLst>
+            <a:outerShdw blurRad="57150" rotWithShape="0" algn="bl" dir="5400000" dist="19050">
+              <a:srgbClr val="000000">
+                <a:alpha val="50000"/>
+              </a:srgbClr>
+            </a:outerShdw>
+          </a:effectLst>
+        </p:spPr>
+        <p:txBody>
+          <a:bodyPr anchorCtr="0" anchor="ctr" bIns="45700" lIns="91425" spcFirstLastPara="1" rIns="91425" wrap="square" tIns="45700">
+            <a:noAutofit/>
+          </a:bodyPr>
+          <a:lstStyle/>
+          <a:p>
+            <a:pPr indent="0" lvl="0" marL="0" marR="0" rtl="0" algn="ctr">
+              <a:lnSpc>
+                <a:spcPct val="100000"/>
+              </a:lnSpc>
+              <a:spcBef>
+                <a:spcPts val="0"/>
+              </a:spcBef>
+              <a:spcAft>
+                <a:spcPts val="0"/>
+              </a:spcAft>
+              <a:buClr>
+                <a:srgbClr val="000000"/>
+              </a:buClr>
+              <a:buSzPts val="1800"/>
+              <a:buFont typeface="Arial"/>
+              <a:buNone/>
+            </a:pPr>
+            <a:r>
+              <a:rPr b="0" i="0" lang="pt-BR" sz="1800" u="none" cap="none" strike="noStrike">
+                <a:solidFill>
+                  <a:schemeClr val="lt1"/>
+                </a:solidFill>
+                <a:latin typeface="Calibri"/>
+                <a:ea typeface="Calibri"/>
+                <a:cs typeface="Calibri"/>
+                <a:sym typeface="Calibri"/>
+              </a:rPr>
+              <a:t>Cliente</a:t>
+            </a:r>
+            <a:endParaRPr b="0" i="0" sz="1400" u="none" cap="none" strike="noStrike">
+              <a:solidFill>
+                <a:srgbClr val="000000"/>
+              </a:solidFill>
+              <a:latin typeface="Arial"/>
+              <a:ea typeface="Arial"/>
+              <a:cs typeface="Arial"/>
+              <a:sym typeface="Arial"/>
+            </a:endParaRPr>
+          </a:p>
+        </p:txBody>
+      </p:sp>
+      <p:cxnSp>
+        <p:nvCxnSpPr>
+          <p:cNvPr id="120" name="Google Shape;120;gc092896149_1_12"/>
+          <p:cNvCxnSpPr>
+            <a:stCxn id="119" idx="3"/>
+          </p:cNvCxnSpPr>
+          <p:nvPr/>
+        </p:nvCxnSpPr>
+        <p:spPr>
+          <a:xfrm flipH="1" rot="10800000">
+            <a:off x="3371625" y="3546755"/>
+            <a:ext cx="4170600" cy="8100"/>
+          </a:xfrm>
+          <a:prstGeom prst="curvedConnector3">
+            <a:avLst>
+              <a:gd fmla="val 50000" name="adj1"/>
+            </a:avLst>
+          </a:prstGeom>
+          <a:noFill/>
+          <a:ln cap="flat" cmpd="sng" w="9525">
+            <a:solidFill>
+              <a:srgbClr val="CC0000"/>
+            </a:solidFill>
+            <a:prstDash val="solid"/>
+            <a:miter lim="800000"/>
+            <a:headEnd len="sm" w="sm" type="none"/>
+            <a:tailEnd len="sm" w="sm" type="none"/>
+          </a:ln>
+          <a:effectLst>
+            <a:outerShdw blurRad="57150" rotWithShape="0" algn="bl" dir="5400000" dist="19050">
+              <a:srgbClr val="000000">
+                <a:alpha val="50000"/>
+              </a:srgbClr>
+            </a:outerShdw>
+          </a:effectLst>
+        </p:spPr>
+      </p:cxnSp>
+      <p:cxnSp>
+        <p:nvCxnSpPr>
+          <p:cNvPr id="121" name="Google Shape;121;gc092896149_1_12"/>
+          <p:cNvCxnSpPr>
+            <a:stCxn id="117" idx="3"/>
+            <a:endCxn id="122" idx="0"/>
+          </p:cNvCxnSpPr>
+          <p:nvPr/>
+        </p:nvCxnSpPr>
+        <p:spPr>
+          <a:xfrm flipH="1">
+            <a:off x="8280900" y="3765800"/>
+            <a:ext cx="2100" cy="672000"/>
+          </a:xfrm>
+          <a:prstGeom prst="straightConnector1">
+            <a:avLst/>
+          </a:prstGeom>
+          <a:noFill/>
+          <a:ln cap="flat" cmpd="sng" w="9525">
+            <a:solidFill>
+              <a:srgbClr val="CC0000"/>
+            </a:solidFill>
+            <a:prstDash val="solid"/>
+            <a:miter lim="800000"/>
+            <a:headEnd len="sm" w="sm" type="none"/>
+            <a:tailEnd len="sm" w="sm" type="none"/>
+          </a:ln>
+          <a:effectLst>
+            <a:outerShdw blurRad="57150" rotWithShape="0" algn="bl" dir="5400000" dist="19050">
+              <a:srgbClr val="000000">
+                <a:alpha val="50000"/>
+              </a:srgbClr>
+            </a:outerShdw>
+          </a:effectLst>
+        </p:spPr>
+      </p:cxnSp>
+      <p:sp>
+        <p:nvSpPr>
+          <p:cNvPr id="122" name="Google Shape;122;gc092896149_1_12"/>
+          <p:cNvSpPr/>
+          <p:nvPr/>
+        </p:nvSpPr>
+        <p:spPr>
+          <a:xfrm>
+            <a:off x="7641750" y="4437800"/>
             <a:ext cx="1278300" cy="522300"/>
           </a:xfrm>
           <a:prstGeom prst="roundRect">
@@ -17404,6 +17842,326 @@
                   <a:schemeClr val="lt1"/>
                 </a:solidFill>
               </a:rPr>
+              <a:t>Atender solicitação de suporte</a:t>
+            </a:r>
+            <a:endParaRPr sz="1100">
+              <a:solidFill>
+                <a:schemeClr val="lt1"/>
+              </a:solidFill>
+            </a:endParaRPr>
+          </a:p>
+        </p:txBody>
+      </p:sp>
+      <p:sp>
+        <p:nvSpPr>
+          <p:cNvPr id="123" name="Google Shape;123;gc092896149_1_12"/>
+          <p:cNvSpPr/>
+          <p:nvPr/>
+        </p:nvSpPr>
+        <p:spPr>
+          <a:xfrm>
+            <a:off x="6546142" y="2321866"/>
+            <a:ext cx="3610800" cy="2875800"/>
+          </a:xfrm>
+          <a:prstGeom prst="roundRect">
+            <a:avLst>
+              <a:gd fmla="val 16667" name="adj"/>
+            </a:avLst>
+          </a:prstGeom>
+          <a:noFill/>
+          <a:ln cap="flat" cmpd="sng" w="12700">
+            <a:solidFill>
+              <a:srgbClr val="000000"/>
+            </a:solidFill>
+            <a:prstDash val="solid"/>
+            <a:miter lim="800000"/>
+            <a:headEnd len="sm" w="sm" type="none"/>
+            <a:tailEnd len="sm" w="sm" type="none"/>
+          </a:ln>
+          <a:effectLst>
+            <a:outerShdw blurRad="57150" rotWithShape="0" algn="bl" dir="5400000" dist="19050">
+              <a:srgbClr val="000000">
+                <a:alpha val="50000"/>
+              </a:srgbClr>
+            </a:outerShdw>
+          </a:effectLst>
+        </p:spPr>
+        <p:txBody>
+          <a:bodyPr anchorCtr="0" anchor="t" bIns="45700" lIns="91425" spcFirstLastPara="1" rIns="91425" wrap="square" tIns="45700">
+            <a:noAutofit/>
+          </a:bodyPr>
+          <a:lstStyle/>
+          <a:p>
+            <a:pPr indent="0" lvl="0" marL="0" marR="0" rtl="0" algn="ctr">
+              <a:lnSpc>
+                <a:spcPct val="100000"/>
+              </a:lnSpc>
+              <a:spcBef>
+                <a:spcPts val="0"/>
+              </a:spcBef>
+              <a:spcAft>
+                <a:spcPts val="0"/>
+              </a:spcAft>
+              <a:buClr>
+                <a:srgbClr val="000000"/>
+              </a:buClr>
+              <a:buSzPts val="1800"/>
+              <a:buFont typeface="Arial"/>
+              <a:buNone/>
+            </a:pPr>
+            <a:r>
+              <a:rPr lang="pt-BR" sz="1800">
+                <a:solidFill>
+                  <a:schemeClr val="dk1"/>
+                </a:solidFill>
+                <a:latin typeface="Calibri"/>
+                <a:ea typeface="Calibri"/>
+                <a:cs typeface="Calibri"/>
+                <a:sym typeface="Calibri"/>
+              </a:rPr>
+              <a:t>GamaWare</a:t>
+            </a:r>
+            <a:endParaRPr b="0" i="0" sz="1400" u="none" cap="none" strike="noStrike">
+              <a:solidFill>
+                <a:srgbClr val="000000"/>
+              </a:solidFill>
+              <a:latin typeface="Arial"/>
+              <a:ea typeface="Arial"/>
+              <a:cs typeface="Arial"/>
+              <a:sym typeface="Arial"/>
+            </a:endParaRPr>
+          </a:p>
+        </p:txBody>
+      </p:sp>
+    </p:spTree>
+  </p:cSld>
+  <p:clrMapOvr>
+    <a:masterClrMapping/>
+  </p:clrMapOvr>
+</p:sld>
+</file>
+
+<file path=ppt/slides/slide4.xml><?xml version="1.0" encoding="utf-8"?>
+<p:sld xmlns:a="http://schemas.openxmlformats.org/drawingml/2006/main" xmlns:r="http://schemas.openxmlformats.org/officeDocument/2006/relationships" xmlns:mc="http://schemas.openxmlformats.org/markup-compatibility/2006" xmlns:mv="urn:schemas-microsoft-com:mac:vml" xmlns:p="http://schemas.openxmlformats.org/presentationml/2006/main" xmlns:c="http://schemas.openxmlformats.org/drawingml/2006/chart" xmlns:dgm="http://schemas.openxmlformats.org/drawingml/2006/diagram" xmlns:o="urn:schemas-microsoft-com:office:office" xmlns:v="urn:schemas-microsoft-com:vml" xmlns:pvml="urn:schemas-microsoft-com:office:powerpoint" xmlns:com="http://schemas.openxmlformats.org/drawingml/2006/compatibility" xmlns:p14="http://schemas.microsoft.com/office/powerpoint/2010/main" xmlns:p15="http://schemas.microsoft.com/office/powerpoint/2012/main" xmlns:ahyp="http://schemas.microsoft.com/office/drawing/2018/hyperlinkcolor">
+  <p:cSld>
+    <p:spTree>
+      <p:nvGrpSpPr>
+        <p:cNvPr id="127" name="Shape 127"/>
+        <p:cNvGrpSpPr/>
+        <p:nvPr/>
+      </p:nvGrpSpPr>
+      <p:grpSpPr>
+        <a:xfrm>
+          <a:off x="0" y="0"/>
+          <a:ext cx="0" cy="0"/>
+          <a:chOff x="0" y="0"/>
+          <a:chExt cx="0" cy="0"/>
+        </a:xfrm>
+      </p:grpSpPr>
+      <p:sp>
+        <p:nvSpPr>
+          <p:cNvPr id="128" name="Google Shape;128;gd9e0effe83_0_0"/>
+          <p:cNvSpPr/>
+          <p:nvPr/>
+        </p:nvSpPr>
+        <p:spPr>
+          <a:xfrm>
+            <a:off x="7537797" y="3189570"/>
+            <a:ext cx="1627500" cy="584400"/>
+          </a:xfrm>
+          <a:prstGeom prst="cube">
+            <a:avLst>
+              <a:gd fmla="val 25000" name="adj"/>
+            </a:avLst>
+          </a:prstGeom>
+          <a:solidFill>
+            <a:srgbClr val="FFC000"/>
+          </a:solidFill>
+          <a:ln cap="flat" cmpd="sng" w="12700">
+            <a:solidFill>
+              <a:schemeClr val="accent1"/>
+            </a:solidFill>
+            <a:prstDash val="solid"/>
+            <a:miter lim="800000"/>
+            <a:headEnd len="sm" w="sm" type="none"/>
+            <a:tailEnd len="sm" w="sm" type="none"/>
+          </a:ln>
+        </p:spPr>
+        <p:txBody>
+          <a:bodyPr anchorCtr="0" anchor="t" bIns="45700" lIns="91425" spcFirstLastPara="1" rIns="91425" wrap="square" tIns="45700">
+            <a:noAutofit/>
+          </a:bodyPr>
+          <a:lstStyle/>
+          <a:p>
+            <a:pPr indent="0" lvl="0" marL="0" marR="0" rtl="0" algn="ctr">
+              <a:lnSpc>
+                <a:spcPct val="100000"/>
+              </a:lnSpc>
+              <a:spcBef>
+                <a:spcPts val="0"/>
+              </a:spcBef>
+              <a:spcAft>
+                <a:spcPts val="0"/>
+              </a:spcAft>
+              <a:buClr>
+                <a:srgbClr val="000000"/>
+              </a:buClr>
+              <a:buSzPts val="1000"/>
+              <a:buFont typeface="Arial"/>
+              <a:buNone/>
+            </a:pPr>
+            <a:r>
+              <a:rPr b="0" i="0" lang="pt-BR" sz="1000" u="none" cap="none" strike="noStrike">
+                <a:solidFill>
+                  <a:schemeClr val="dk1"/>
+                </a:solidFill>
+                <a:latin typeface="Calibri"/>
+                <a:ea typeface="Calibri"/>
+                <a:cs typeface="Calibri"/>
+                <a:sym typeface="Calibri"/>
+              </a:rPr>
+              <a:t>Recepção</a:t>
+            </a:r>
+            <a:endParaRPr b="0" i="0" sz="1400" u="none" cap="none" strike="noStrike">
+              <a:solidFill>
+                <a:srgbClr val="000000"/>
+              </a:solidFill>
+              <a:latin typeface="Arial"/>
+              <a:ea typeface="Arial"/>
+              <a:cs typeface="Arial"/>
+              <a:sym typeface="Arial"/>
+            </a:endParaRPr>
+          </a:p>
+          <a:p>
+            <a:pPr indent="0" lvl="0" marL="0" marR="0" rtl="0" algn="ctr">
+              <a:lnSpc>
+                <a:spcPct val="100000"/>
+              </a:lnSpc>
+              <a:spcBef>
+                <a:spcPts val="0"/>
+              </a:spcBef>
+              <a:spcAft>
+                <a:spcPts val="0"/>
+              </a:spcAft>
+              <a:buClr>
+                <a:srgbClr val="000000"/>
+              </a:buClr>
+              <a:buSzPts val="1000"/>
+              <a:buFont typeface="Arial"/>
+              <a:buNone/>
+            </a:pPr>
+            <a:r>
+              <a:rPr b="1" i="0" lang="pt-BR" sz="1000" u="none" cap="none" strike="noStrike">
+                <a:solidFill>
+                  <a:schemeClr val="dk1"/>
+                </a:solidFill>
+                <a:latin typeface="Calibri"/>
+                <a:ea typeface="Calibri"/>
+                <a:cs typeface="Calibri"/>
+                <a:sym typeface="Calibri"/>
+              </a:rPr>
+              <a:t>(Nó Operacional)</a:t>
+            </a:r>
+            <a:endParaRPr b="0" i="0" sz="1400" u="none" cap="none" strike="noStrike">
+              <a:solidFill>
+                <a:srgbClr val="000000"/>
+              </a:solidFill>
+              <a:latin typeface="Arial"/>
+              <a:ea typeface="Arial"/>
+              <a:cs typeface="Arial"/>
+              <a:sym typeface="Arial"/>
+            </a:endParaRPr>
+          </a:p>
+          <a:p>
+            <a:pPr indent="0" lvl="0" marL="0" marR="0" rtl="0" algn="l">
+              <a:lnSpc>
+                <a:spcPct val="100000"/>
+              </a:lnSpc>
+              <a:spcBef>
+                <a:spcPts val="0"/>
+              </a:spcBef>
+              <a:spcAft>
+                <a:spcPts val="0"/>
+              </a:spcAft>
+              <a:buClr>
+                <a:schemeClr val="dk1"/>
+              </a:buClr>
+              <a:buSzPts val="1000"/>
+              <a:buFont typeface="Calibri"/>
+              <a:buNone/>
+            </a:pPr>
+            <a:r>
+              <a:t/>
+            </a:r>
+            <a:endParaRPr b="0" i="0" sz="1000" u="none" cap="none" strike="noStrike">
+              <a:solidFill>
+                <a:srgbClr val="000000"/>
+              </a:solidFill>
+              <a:latin typeface="Gill Sans"/>
+              <a:ea typeface="Gill Sans"/>
+              <a:cs typeface="Gill Sans"/>
+              <a:sym typeface="Gill Sans"/>
+            </a:endParaRPr>
+          </a:p>
+        </p:txBody>
+      </p:sp>
+      <p:sp>
+        <p:nvSpPr>
+          <p:cNvPr id="129" name="Google Shape;129;gd9e0effe83_0_0"/>
+          <p:cNvSpPr/>
+          <p:nvPr/>
+        </p:nvSpPr>
+        <p:spPr>
+          <a:xfrm>
+            <a:off x="7651350" y="4437800"/>
+            <a:ext cx="1278300" cy="522300"/>
+          </a:xfrm>
+          <a:prstGeom prst="roundRect">
+            <a:avLst>
+              <a:gd fmla="val 16667" name="adj"/>
+            </a:avLst>
+          </a:prstGeom>
+          <a:solidFill>
+            <a:srgbClr val="6AA84F"/>
+          </a:solidFill>
+          <a:ln cap="flat" cmpd="sng" w="12700">
+            <a:solidFill>
+              <a:srgbClr val="38761D"/>
+            </a:solidFill>
+            <a:prstDash val="solid"/>
+            <a:miter lim="8000"/>
+            <a:headEnd len="sm" w="sm" type="none"/>
+            <a:tailEnd len="sm" w="sm" type="none"/>
+          </a:ln>
+          <a:effectLst>
+            <a:outerShdw blurRad="57150" rotWithShape="0" algn="bl" dir="5400000" dist="19050">
+              <a:srgbClr val="000000">
+                <a:alpha val="50000"/>
+              </a:srgbClr>
+            </a:outerShdw>
+          </a:effectLst>
+        </p:spPr>
+        <p:txBody>
+          <a:bodyPr anchorCtr="0" anchor="ctr" bIns="91425" lIns="91425" spcFirstLastPara="1" rIns="91425" wrap="square" tIns="91425">
+            <a:noAutofit/>
+          </a:bodyPr>
+          <a:lstStyle/>
+          <a:p>
+            <a:pPr indent="0" lvl="0" marL="0" rtl="0" algn="ctr">
+              <a:spcBef>
+                <a:spcPts val="0"/>
+              </a:spcBef>
+              <a:spcAft>
+                <a:spcPts val="0"/>
+              </a:spcAft>
+              <a:buNone/>
+            </a:pPr>
+            <a:r>
+              <a:rPr lang="pt-BR" sz="1100">
+                <a:solidFill>
+                  <a:schemeClr val="lt1"/>
+                </a:solidFill>
+              </a:rPr>
               <a:t>Realizar manutenção</a:t>
             </a:r>
             <a:endParaRPr sz="1100">
@@ -17416,7 +18174,7 @@
       </p:sp>
       <p:sp>
         <p:nvSpPr>
-          <p:cNvPr id="118" name="Google Shape;118;gc092896149_1_12"/>
+          <p:cNvPr id="130" name="Google Shape;130;gd9e0effe83_0_0"/>
           <p:cNvSpPr/>
           <p:nvPr/>
         </p:nvSpPr>
@@ -17491,7 +18249,7 @@
       </p:sp>
       <p:sp>
         <p:nvSpPr>
-          <p:cNvPr id="119" name="Google Shape;119;gc092896149_1_12"/>
+          <p:cNvPr id="131" name="Google Shape;131;gd9e0effe83_0_0"/>
           <p:cNvSpPr txBox="1"/>
           <p:nvPr>
             <p:ph type="title"/>
@@ -17535,15 +18293,7 @@
             </a:pPr>
             <a:r>
               <a:rPr lang="pt-BR"/>
-              <a:t>Cenário: </a:t>
-            </a:r>
-            <a:r>
-              <a:rPr lang="pt-BR"/>
-              <a:t>Solicitar</a:t>
-            </a:r>
-            <a:r>
-              <a:rPr lang="pt-BR"/>
-              <a:t> Suporte</a:t>
+              <a:t>Cenário: Enviar produto para manutenção</a:t>
             </a:r>
             <a:endParaRPr/>
           </a:p>
@@ -17551,7 +18301,7 @@
       </p:sp>
       <p:sp>
         <p:nvSpPr>
-          <p:cNvPr id="120" name="Google Shape;120;gc092896149_1_12"/>
+          <p:cNvPr id="132" name="Google Shape;132;gd9e0effe83_0_0"/>
           <p:cNvSpPr/>
           <p:nvPr/>
         </p:nvSpPr>
@@ -17632,9 +18382,9 @@
       </p:sp>
       <p:cxnSp>
         <p:nvCxnSpPr>
-          <p:cNvPr id="121" name="Google Shape;121;gc092896149_1_12"/>
+          <p:cNvPr id="133" name="Google Shape;133;gd9e0effe83_0_0"/>
           <p:cNvCxnSpPr>
-            <a:stCxn id="120" idx="3"/>
+            <a:stCxn id="132" idx="3"/>
           </p:cNvCxnSpPr>
           <p:nvPr/>
         </p:nvCxnSpPr>
@@ -17669,52 +18419,17 @@
       </p:cxnSp>
       <p:cxnSp>
         <p:nvCxnSpPr>
-          <p:cNvPr id="122" name="Google Shape;122;gc092896149_1_12"/>
+          <p:cNvPr id="134" name="Google Shape;134;gd9e0effe83_0_0"/>
           <p:cNvCxnSpPr>
-            <a:stCxn id="118" idx="3"/>
-            <a:endCxn id="117" idx="0"/>
+            <a:stCxn id="130" idx="3"/>
+            <a:endCxn id="129" idx="0"/>
           </p:cNvCxnSpPr>
           <p:nvPr/>
         </p:nvCxnSpPr>
         <p:spPr>
           <a:xfrm>
             <a:off x="8283000" y="3765800"/>
-            <a:ext cx="813600" cy="672000"/>
-          </a:xfrm>
-          <a:prstGeom prst="straightConnector1">
-            <a:avLst/>
-          </a:prstGeom>
-          <a:noFill/>
-          <a:ln cap="flat" cmpd="sng" w="9525">
-            <a:solidFill>
-              <a:srgbClr val="CC0000"/>
-            </a:solidFill>
-            <a:prstDash val="solid"/>
-            <a:miter lim="800000"/>
-            <a:headEnd len="sm" w="sm" type="none"/>
-            <a:tailEnd len="sm" w="sm" type="none"/>
-          </a:ln>
-          <a:effectLst>
-            <a:outerShdw blurRad="57150" rotWithShape="0" algn="bl" dir="5400000" dist="19050">
-              <a:srgbClr val="000000">
-                <a:alpha val="50000"/>
-              </a:srgbClr>
-            </a:outerShdw>
-          </a:effectLst>
-        </p:spPr>
-      </p:cxnSp>
-      <p:cxnSp>
-        <p:nvCxnSpPr>
-          <p:cNvPr id="123" name="Google Shape;123;gc092896149_1_12"/>
-          <p:cNvCxnSpPr>
-            <a:stCxn id="118" idx="3"/>
-          </p:cNvCxnSpPr>
-          <p:nvPr/>
-        </p:nvCxnSpPr>
-        <p:spPr>
-          <a:xfrm flipH="1">
-            <a:off x="7542300" y="3765800"/>
-            <a:ext cx="740700" cy="672000"/>
+            <a:ext cx="7500" cy="672000"/>
           </a:xfrm>
           <a:prstGeom prst="straightConnector1">
             <a:avLst/>
@@ -17740,74 +18455,7 @@
       </p:cxnSp>
       <p:sp>
         <p:nvSpPr>
-          <p:cNvPr id="124" name="Google Shape;124;gc092896149_1_12"/>
-          <p:cNvSpPr/>
-          <p:nvPr/>
-        </p:nvSpPr>
-        <p:spPr>
-          <a:xfrm>
-            <a:off x="6795075" y="4437900"/>
-            <a:ext cx="1278300" cy="522300"/>
-          </a:xfrm>
-          <a:prstGeom prst="roundRect">
-            <a:avLst>
-              <a:gd fmla="val 16667" name="adj"/>
-            </a:avLst>
-          </a:prstGeom>
-          <a:solidFill>
-            <a:srgbClr val="6AA84F"/>
-          </a:solidFill>
-          <a:ln cap="flat" cmpd="sng" w="12700">
-            <a:solidFill>
-              <a:srgbClr val="38761D"/>
-            </a:solidFill>
-            <a:prstDash val="solid"/>
-            <a:miter lim="8000"/>
-            <a:headEnd len="sm" w="sm" type="none"/>
-            <a:tailEnd len="sm" w="sm" type="none"/>
-          </a:ln>
-          <a:effectLst>
-            <a:outerShdw blurRad="57150" rotWithShape="0" algn="bl" dir="5400000" dist="19050">
-              <a:srgbClr val="000000">
-                <a:alpha val="50000"/>
-              </a:srgbClr>
-            </a:outerShdw>
-          </a:effectLst>
-        </p:spPr>
-        <p:txBody>
-          <a:bodyPr anchorCtr="0" anchor="ctr" bIns="91425" lIns="91425" spcFirstLastPara="1" rIns="91425" wrap="square" tIns="91425">
-            <a:noAutofit/>
-          </a:bodyPr>
-          <a:lstStyle/>
-          <a:p>
-            <a:pPr indent="0" lvl="0" marL="0" rtl="0" algn="ctr">
-              <a:spcBef>
-                <a:spcPts val="0"/>
-              </a:spcBef>
-              <a:spcAft>
-                <a:spcPts val="0"/>
-              </a:spcAft>
-              <a:buNone/>
-            </a:pPr>
-            <a:r>
-              <a:rPr lang="pt-BR" sz="1100">
-                <a:solidFill>
-                  <a:schemeClr val="lt1"/>
-                </a:solidFill>
-              </a:rPr>
-              <a:t>Atender solicitação</a:t>
-            </a:r>
-            <a:endParaRPr sz="1100">
-              <a:solidFill>
-                <a:schemeClr val="lt1"/>
-              </a:solidFill>
-            </a:endParaRPr>
-          </a:p>
-        </p:txBody>
-      </p:sp>
-      <p:sp>
-        <p:nvSpPr>
-          <p:cNvPr id="125" name="Google Shape;125;gc092896149_1_12"/>
+          <p:cNvPr id="135" name="Google Shape;135;gd9e0effe83_0_0"/>
           <p:cNvSpPr/>
           <p:nvPr/>
         </p:nvSpPr>
@@ -17894,12 +18542,12 @@
 </p:sld>
 </file>
 
-<file path=ppt/slides/slide4.xml><?xml version="1.0" encoding="utf-8"?>
+<file path=ppt/slides/slide5.xml><?xml version="1.0" encoding="utf-8"?>
 <p:sld xmlns:a="http://schemas.openxmlformats.org/drawingml/2006/main" xmlns:r="http://schemas.openxmlformats.org/officeDocument/2006/relationships" xmlns:mc="http://schemas.openxmlformats.org/markup-compatibility/2006" xmlns:mv="urn:schemas-microsoft-com:mac:vml" xmlns:p="http://schemas.openxmlformats.org/presentationml/2006/main" xmlns:c="http://schemas.openxmlformats.org/drawingml/2006/chart" xmlns:dgm="http://schemas.openxmlformats.org/drawingml/2006/diagram" xmlns:o="urn:schemas-microsoft-com:office:office" xmlns:v="urn:schemas-microsoft-com:vml" xmlns:pvml="urn:schemas-microsoft-com:office:powerpoint" xmlns:com="http://schemas.openxmlformats.org/drawingml/2006/compatibility" xmlns:p14="http://schemas.microsoft.com/office/powerpoint/2010/main" xmlns:p15="http://schemas.microsoft.com/office/powerpoint/2012/main" xmlns:ahyp="http://schemas.microsoft.com/office/drawing/2018/hyperlinkcolor">
   <p:cSld>
     <p:spTree>
       <p:nvGrpSpPr>
-        <p:cNvPr id="129" name="Shape 129"/>
+        <p:cNvPr id="139" name="Shape 139"/>
         <p:cNvGrpSpPr/>
         <p:nvPr/>
       </p:nvGrpSpPr>
@@ -17913,7 +18561,7 @@
       </p:grpSpPr>
       <p:sp>
         <p:nvSpPr>
-          <p:cNvPr id="130" name="Google Shape;130;gc8f36996b5_0_0"/>
+          <p:cNvPr id="140" name="Google Shape;140;gc8f36996b5_0_0"/>
           <p:cNvSpPr/>
           <p:nvPr/>
         </p:nvSpPr>
@@ -18060,7 +18708,7 @@
       </p:sp>
       <p:sp>
         <p:nvSpPr>
-          <p:cNvPr id="131" name="Google Shape;131;gc8f36996b5_0_0"/>
+          <p:cNvPr id="141" name="Google Shape;141;gc8f36996b5_0_0"/>
           <p:cNvSpPr/>
           <p:nvPr/>
         </p:nvSpPr>
@@ -18130,10 +18778,10 @@
       </p:sp>
       <p:cxnSp>
         <p:nvCxnSpPr>
-          <p:cNvPr id="132" name="Google Shape;132;gc8f36996b5_0_0"/>
+          <p:cNvPr id="142" name="Google Shape;142;gc8f36996b5_0_0"/>
           <p:cNvCxnSpPr>
-            <a:stCxn id="130" idx="3"/>
-            <a:endCxn id="131" idx="0"/>
+            <a:stCxn id="140" idx="3"/>
+            <a:endCxn id="141" idx="0"/>
           </p:cNvCxnSpPr>
           <p:nvPr/>
         </p:nvCxnSpPr>
@@ -18166,7 +18814,7 @@
       </p:cxnSp>
       <p:sp>
         <p:nvSpPr>
-          <p:cNvPr id="133" name="Google Shape;133;gc8f36996b5_0_0"/>
+          <p:cNvPr id="143" name="Google Shape;143;gc8f36996b5_0_0"/>
           <p:cNvSpPr/>
           <p:nvPr/>
         </p:nvSpPr>
@@ -18233,7 +18881,7 @@
       </p:sp>
       <p:sp>
         <p:nvSpPr>
-          <p:cNvPr id="134" name="Google Shape;134;gc8f36996b5_0_0"/>
+          <p:cNvPr id="144" name="Google Shape;144;gc8f36996b5_0_0"/>
           <p:cNvSpPr/>
           <p:nvPr/>
         </p:nvSpPr>
@@ -18308,7 +18956,7 @@
       </p:sp>
       <p:sp>
         <p:nvSpPr>
-          <p:cNvPr id="135" name="Google Shape;135;gc8f36996b5_0_0"/>
+          <p:cNvPr id="145" name="Google Shape;145;gc8f36996b5_0_0"/>
           <p:cNvSpPr txBox="1"/>
           <p:nvPr>
             <p:ph type="title"/>
@@ -18360,7 +19008,7 @@
       </p:sp>
       <p:sp>
         <p:nvSpPr>
-          <p:cNvPr id="136" name="Google Shape;136;gc8f36996b5_0_0"/>
+          <p:cNvPr id="146" name="Google Shape;146;gc8f36996b5_0_0"/>
           <p:cNvSpPr/>
           <p:nvPr/>
         </p:nvSpPr>
@@ -18441,9 +19089,9 @@
       </p:sp>
       <p:cxnSp>
         <p:nvCxnSpPr>
-          <p:cNvPr id="137" name="Google Shape;137;gc8f36996b5_0_0"/>
+          <p:cNvPr id="147" name="Google Shape;147;gc8f36996b5_0_0"/>
           <p:cNvCxnSpPr>
-            <a:stCxn id="136" idx="3"/>
+            <a:stCxn id="146" idx="3"/>
           </p:cNvCxnSpPr>
           <p:nvPr/>
         </p:nvCxnSpPr>
@@ -18478,7 +19126,7 @@
       </p:cxnSp>
       <p:cxnSp>
         <p:nvCxnSpPr>
-          <p:cNvPr id="138" name="Google Shape;138;gc8f36996b5_0_0"/>
+          <p:cNvPr id="148" name="Google Shape;148;gc8f36996b5_0_0"/>
           <p:cNvCxnSpPr/>
           <p:nvPr/>
         </p:nvCxnSpPr>
@@ -18511,7 +19159,7 @@
       </p:cxnSp>
       <p:sp>
         <p:nvSpPr>
-          <p:cNvPr id="139" name="Google Shape;139;gc8f36996b5_0_0"/>
+          <p:cNvPr id="149" name="Google Shape;149;gc8f36996b5_0_0"/>
           <p:cNvSpPr/>
           <p:nvPr/>
         </p:nvSpPr>
@@ -18598,12 +19246,12 @@
 </p:sld>
 </file>
 
-<file path=ppt/slides/slide5.xml><?xml version="1.0" encoding="utf-8"?>
+<file path=ppt/slides/slide6.xml><?xml version="1.0" encoding="utf-8"?>
 <p:sld xmlns:a="http://schemas.openxmlformats.org/drawingml/2006/main" xmlns:r="http://schemas.openxmlformats.org/officeDocument/2006/relationships" xmlns:mc="http://schemas.openxmlformats.org/markup-compatibility/2006" xmlns:mv="urn:schemas-microsoft-com:mac:vml" xmlns:p="http://schemas.openxmlformats.org/presentationml/2006/main" xmlns:c="http://schemas.openxmlformats.org/drawingml/2006/chart" xmlns:dgm="http://schemas.openxmlformats.org/drawingml/2006/diagram" xmlns:o="urn:schemas-microsoft-com:office:office" xmlns:v="urn:schemas-microsoft-com:vml" xmlns:pvml="urn:schemas-microsoft-com:office:powerpoint" xmlns:com="http://schemas.openxmlformats.org/drawingml/2006/compatibility" xmlns:p14="http://schemas.microsoft.com/office/powerpoint/2010/main" xmlns:p15="http://schemas.microsoft.com/office/powerpoint/2012/main" xmlns:ahyp="http://schemas.microsoft.com/office/drawing/2018/hyperlinkcolor">
   <p:cSld>
     <p:spTree>
       <p:nvGrpSpPr>
-        <p:cNvPr id="143" name="Shape 143"/>
+        <p:cNvPr id="153" name="Shape 153"/>
         <p:cNvGrpSpPr/>
         <p:nvPr/>
       </p:nvGrpSpPr>
@@ -18617,7 +19265,7 @@
       </p:grpSpPr>
       <p:sp>
         <p:nvSpPr>
-          <p:cNvPr id="144" name="Google Shape;144;gc092896149_1_24"/>
+          <p:cNvPr id="154" name="Google Shape;154;gc092896149_1_24"/>
           <p:cNvSpPr/>
           <p:nvPr/>
         </p:nvSpPr>
@@ -18764,7 +19412,7 @@
       </p:sp>
       <p:sp>
         <p:nvSpPr>
-          <p:cNvPr id="145" name="Google Shape;145;gc092896149_1_24"/>
+          <p:cNvPr id="155" name="Google Shape;155;gc092896149_1_24"/>
           <p:cNvSpPr/>
           <p:nvPr/>
         </p:nvSpPr>
@@ -18834,7 +19482,7 @@
       </p:sp>
       <p:sp>
         <p:nvSpPr>
-          <p:cNvPr id="146" name="Google Shape;146;gc092896149_1_24"/>
+          <p:cNvPr id="156" name="Google Shape;156;gc092896149_1_24"/>
           <p:cNvSpPr/>
           <p:nvPr/>
         </p:nvSpPr>
@@ -18915,10 +19563,10 @@
       </p:sp>
       <p:cxnSp>
         <p:nvCxnSpPr>
-          <p:cNvPr id="147" name="Google Shape;147;gc092896149_1_24"/>
+          <p:cNvPr id="157" name="Google Shape;157;gc092896149_1_24"/>
           <p:cNvCxnSpPr>
-            <a:stCxn id="146" idx="3"/>
-            <a:endCxn id="144" idx="2"/>
+            <a:stCxn id="156" idx="3"/>
+            <a:endCxn id="154" idx="2"/>
           </p:cNvCxnSpPr>
           <p:nvPr/>
         </p:nvCxnSpPr>
@@ -18953,10 +19601,10 @@
       </p:cxnSp>
       <p:cxnSp>
         <p:nvCxnSpPr>
-          <p:cNvPr id="148" name="Google Shape;148;gc092896149_1_24"/>
+          <p:cNvPr id="158" name="Google Shape;158;gc092896149_1_24"/>
           <p:cNvCxnSpPr>
-            <a:stCxn id="144" idx="3"/>
-            <a:endCxn id="145" idx="0"/>
+            <a:stCxn id="154" idx="3"/>
+            <a:endCxn id="155" idx="0"/>
           </p:cNvCxnSpPr>
           <p:nvPr/>
         </p:nvCxnSpPr>
@@ -18989,7 +19637,7 @@
       </p:cxnSp>
       <p:sp>
         <p:nvSpPr>
-          <p:cNvPr id="149" name="Google Shape;149;gc092896149_1_24"/>
+          <p:cNvPr id="159" name="Google Shape;159;gc092896149_1_24"/>
           <p:cNvSpPr/>
           <p:nvPr/>
         </p:nvSpPr>
@@ -19056,7 +19704,7 @@
       </p:sp>
       <p:sp>
         <p:nvSpPr>
-          <p:cNvPr id="150" name="Google Shape;150;gc092896149_1_24"/>
+          <p:cNvPr id="160" name="Google Shape;160;gc092896149_1_24"/>
           <p:cNvSpPr/>
           <p:nvPr/>
         </p:nvSpPr>
@@ -19131,7 +19779,7 @@
       </p:sp>
       <p:sp>
         <p:nvSpPr>
-          <p:cNvPr id="151" name="Google Shape;151;gc092896149_1_24"/>
+          <p:cNvPr id="161" name="Google Shape;161;gc092896149_1_24"/>
           <p:cNvSpPr txBox="1"/>
           <p:nvPr>
             <p:ph type="title"/>
@@ -19187,7 +19835,7 @@
       </p:sp>
       <p:sp>
         <p:nvSpPr>
-          <p:cNvPr id="152" name="Google Shape;152;gc092896149_1_24"/>
+          <p:cNvPr id="162" name="Google Shape;162;gc092896149_1_24"/>
           <p:cNvSpPr/>
           <p:nvPr/>
         </p:nvSpPr>
@@ -19274,12 +19922,12 @@
 </p:sld>
 </file>
 
-<file path=ppt/slides/slide6.xml><?xml version="1.0" encoding="utf-8"?>
+<file path=ppt/slides/slide7.xml><?xml version="1.0" encoding="utf-8"?>
 <p:sld xmlns:a="http://schemas.openxmlformats.org/drawingml/2006/main" xmlns:r="http://schemas.openxmlformats.org/officeDocument/2006/relationships" xmlns:mc="http://schemas.openxmlformats.org/markup-compatibility/2006" xmlns:mv="urn:schemas-microsoft-com:mac:vml" xmlns:p="http://schemas.openxmlformats.org/presentationml/2006/main" xmlns:c="http://schemas.openxmlformats.org/drawingml/2006/chart" xmlns:dgm="http://schemas.openxmlformats.org/drawingml/2006/diagram" xmlns:o="urn:schemas-microsoft-com:office:office" xmlns:v="urn:schemas-microsoft-com:vml" xmlns:pvml="urn:schemas-microsoft-com:office:powerpoint" xmlns:com="http://schemas.openxmlformats.org/drawingml/2006/compatibility" xmlns:p14="http://schemas.microsoft.com/office/powerpoint/2010/main" xmlns:p15="http://schemas.microsoft.com/office/powerpoint/2012/main" xmlns:ahyp="http://schemas.microsoft.com/office/drawing/2018/hyperlinkcolor">
   <p:cSld>
     <p:spTree>
       <p:nvGrpSpPr>
-        <p:cNvPr id="156" name="Shape 156"/>
+        <p:cNvPr id="166" name="Shape 166"/>
         <p:cNvGrpSpPr/>
         <p:nvPr/>
       </p:nvGrpSpPr>
@@ -19293,7 +19941,7 @@
       </p:grpSpPr>
       <p:sp>
         <p:nvSpPr>
-          <p:cNvPr id="157" name="Google Shape;157;gc092896149_2_4"/>
+          <p:cNvPr id="167" name="Google Shape;167;gc092896149_2_4"/>
           <p:cNvSpPr/>
           <p:nvPr/>
         </p:nvSpPr>
@@ -19440,7 +20088,7 @@
       </p:sp>
       <p:sp>
         <p:nvSpPr>
-          <p:cNvPr id="158" name="Google Shape;158;gc092896149_2_4"/>
+          <p:cNvPr id="168" name="Google Shape;168;gc092896149_2_4"/>
           <p:cNvSpPr/>
           <p:nvPr/>
         </p:nvSpPr>
@@ -19510,10 +20158,10 @@
       </p:sp>
       <p:cxnSp>
         <p:nvCxnSpPr>
-          <p:cNvPr id="159" name="Google Shape;159;gc092896149_2_4"/>
+          <p:cNvPr id="169" name="Google Shape;169;gc092896149_2_4"/>
           <p:cNvCxnSpPr>
-            <a:stCxn id="160" idx="3"/>
-            <a:endCxn id="157" idx="2"/>
+            <a:stCxn id="170" idx="3"/>
+            <a:endCxn id="167" idx="2"/>
           </p:cNvCxnSpPr>
           <p:nvPr/>
         </p:nvCxnSpPr>
@@ -19548,10 +20196,10 @@
       </p:cxnSp>
       <p:cxnSp>
         <p:nvCxnSpPr>
-          <p:cNvPr id="161" name="Google Shape;161;gc092896149_2_4"/>
+          <p:cNvPr id="171" name="Google Shape;171;gc092896149_2_4"/>
           <p:cNvCxnSpPr>
-            <a:stCxn id="157" idx="3"/>
-            <a:endCxn id="158" idx="0"/>
+            <a:stCxn id="167" idx="3"/>
+            <a:endCxn id="168" idx="0"/>
           </p:cNvCxnSpPr>
           <p:nvPr/>
         </p:nvCxnSpPr>
@@ -19584,7 +20232,7 @@
       </p:cxnSp>
       <p:sp>
         <p:nvSpPr>
-          <p:cNvPr id="162" name="Google Shape;162;gc092896149_2_4"/>
+          <p:cNvPr id="172" name="Google Shape;172;gc092896149_2_4"/>
           <p:cNvSpPr/>
           <p:nvPr/>
         </p:nvSpPr>
@@ -19659,7 +20307,7 @@
       </p:sp>
       <p:sp>
         <p:nvSpPr>
-          <p:cNvPr id="163" name="Google Shape;163;gc092896149_2_4"/>
+          <p:cNvPr id="173" name="Google Shape;173;gc092896149_2_4"/>
           <p:cNvSpPr/>
           <p:nvPr/>
         </p:nvSpPr>
@@ -19734,7 +20382,7 @@
       </p:sp>
       <p:sp>
         <p:nvSpPr>
-          <p:cNvPr id="164" name="Google Shape;164;gc092896149_2_4"/>
+          <p:cNvPr id="174" name="Google Shape;174;gc092896149_2_4"/>
           <p:cNvSpPr txBox="1"/>
           <p:nvPr>
             <p:ph type="title"/>
@@ -19786,7 +20434,7 @@
       </p:sp>
       <p:cxnSp>
         <p:nvCxnSpPr>
-          <p:cNvPr id="165" name="Google Shape;165;gc092896149_2_4"/>
+          <p:cNvPr id="175" name="Google Shape;175;gc092896149_2_4"/>
           <p:cNvCxnSpPr/>
           <p:nvPr/>
         </p:nvCxnSpPr>
@@ -19819,7 +20467,7 @@
       </p:cxnSp>
       <p:sp>
         <p:nvSpPr>
-          <p:cNvPr id="166" name="Google Shape;166;gc092896149_2_4"/>
+          <p:cNvPr id="176" name="Google Shape;176;gc092896149_2_4"/>
           <p:cNvSpPr/>
           <p:nvPr/>
         </p:nvSpPr>
@@ -19900,7 +20548,7 @@
       </p:sp>
       <p:sp>
         <p:nvSpPr>
-          <p:cNvPr id="167" name="Google Shape;167;gc092896149_2_4"/>
+          <p:cNvPr id="177" name="Google Shape;177;gc092896149_2_4"/>
           <p:cNvSpPr/>
           <p:nvPr/>
         </p:nvSpPr>
